--- a/ppt 16-9/0756.只要能得到你.pptx
+++ b/ppt 16-9/0756.只要能得到你.pptx
@@ -129,7 +129,7 @@
           <p:cNvPr id="2" name="标题 1">
             <a:extLst>
               <a:ext uri="{FF2B5EF4-FFF2-40B4-BE49-F238E27FC236}">
-                <a16:creationId xmlns:a16="http://schemas.microsoft.com/office/drawing/2014/main" id="{67B1E68E-7DE4-489A-027B-4EC7735C0C7E}"/>
+                <a16:creationId xmlns:a16="http://schemas.microsoft.com/office/drawing/2014/main" id="{ABFC270C-0D65-C174-5479-EE542B789F26}"/>
               </a:ext>
             </a:extLst>
           </p:cNvPr>
@@ -166,7 +166,7 @@
           <p:cNvPr id="3" name="副标题 2">
             <a:extLst>
               <a:ext uri="{FF2B5EF4-FFF2-40B4-BE49-F238E27FC236}">
-                <a16:creationId xmlns:a16="http://schemas.microsoft.com/office/drawing/2014/main" id="{95811D08-6A23-5C42-7E9C-B4B4305B5FED}"/>
+                <a16:creationId xmlns:a16="http://schemas.microsoft.com/office/drawing/2014/main" id="{40527CAF-2C28-6904-ABFB-110EDB2AE9F2}"/>
               </a:ext>
             </a:extLst>
           </p:cNvPr>
@@ -236,7 +236,7 @@
           <p:cNvPr id="4" name="日期占位符 3">
             <a:extLst>
               <a:ext uri="{FF2B5EF4-FFF2-40B4-BE49-F238E27FC236}">
-                <a16:creationId xmlns:a16="http://schemas.microsoft.com/office/drawing/2014/main" id="{E9260937-ACB4-3FDB-C7FE-F88610F92771}"/>
+                <a16:creationId xmlns:a16="http://schemas.microsoft.com/office/drawing/2014/main" id="{B57E9245-1AF7-C7EC-659D-3F58A4463B92}"/>
               </a:ext>
             </a:extLst>
           </p:cNvPr>
@@ -252,7 +252,7 @@
           <a:bodyPr/>
           <a:lstStyle/>
           <a:p>
-            <a:fld id="{D64800E0-3729-4AB1-9023-4BA6AA7C13C6}" type="datetimeFigureOut">
+            <a:fld id="{3B4A7EB4-6A14-432A-9491-4FD1CAE0C726}" type="datetimeFigureOut">
               <a:rPr lang="zh-CN" altLang="en-US" smtClean="0"/>
               <a:t>2024/3/10</a:t>
             </a:fld>
@@ -265,7 +265,7 @@
           <p:cNvPr id="5" name="页脚占位符 4">
             <a:extLst>
               <a:ext uri="{FF2B5EF4-FFF2-40B4-BE49-F238E27FC236}">
-                <a16:creationId xmlns:a16="http://schemas.microsoft.com/office/drawing/2014/main" id="{9230879D-11A6-CB9C-04EC-44664167B1A0}"/>
+                <a16:creationId xmlns:a16="http://schemas.microsoft.com/office/drawing/2014/main" id="{D2CBE51A-DE7C-AC87-D969-FCF54258D7E8}"/>
               </a:ext>
             </a:extLst>
           </p:cNvPr>
@@ -290,7 +290,7 @@
           <p:cNvPr id="6" name="灯片编号占位符 5">
             <a:extLst>
               <a:ext uri="{FF2B5EF4-FFF2-40B4-BE49-F238E27FC236}">
-                <a16:creationId xmlns:a16="http://schemas.microsoft.com/office/drawing/2014/main" id="{D9FE0946-9D36-6357-35A8-E7F3686BEFEC}"/>
+                <a16:creationId xmlns:a16="http://schemas.microsoft.com/office/drawing/2014/main" id="{652EEABD-02FE-AE40-C24F-00DA5F0BEE0C}"/>
               </a:ext>
             </a:extLst>
           </p:cNvPr>
@@ -306,7 +306,7 @@
           <a:bodyPr/>
           <a:lstStyle/>
           <a:p>
-            <a:fld id="{C55A38C7-6421-4FA5-BE1C-5CB5DF0109FA}" type="slidenum">
+            <a:fld id="{CF763B80-E561-496A-8D28-3C30CCAF3AF1}" type="slidenum">
               <a:rPr lang="zh-CN" altLang="en-US" smtClean="0"/>
               <a:t>‹#›</a:t>
             </a:fld>
@@ -317,7 +317,7 @@
     </p:spTree>
     <p:extLst>
       <p:ext uri="{BB962C8B-B14F-4D97-AF65-F5344CB8AC3E}">
-        <p14:creationId xmlns:p14="http://schemas.microsoft.com/office/powerpoint/2010/main" val="3529073610"/>
+        <p14:creationId xmlns:p14="http://schemas.microsoft.com/office/powerpoint/2010/main" val="4190522812"/>
       </p:ext>
     </p:extLst>
   </p:cSld>
@@ -349,7 +349,7 @@
           <p:cNvPr id="2" name="标题 1">
             <a:extLst>
               <a:ext uri="{FF2B5EF4-FFF2-40B4-BE49-F238E27FC236}">
-                <a16:creationId xmlns:a16="http://schemas.microsoft.com/office/drawing/2014/main" id="{C293C9BE-5269-E0BC-7AA4-9014561EF6AD}"/>
+                <a16:creationId xmlns:a16="http://schemas.microsoft.com/office/drawing/2014/main" id="{577265A5-4502-D6ED-E4E6-FBB68475688C}"/>
               </a:ext>
             </a:extLst>
           </p:cNvPr>
@@ -377,7 +377,7 @@
           <p:cNvPr id="3" name="竖排文字占位符 2">
             <a:extLst>
               <a:ext uri="{FF2B5EF4-FFF2-40B4-BE49-F238E27FC236}">
-                <a16:creationId xmlns:a16="http://schemas.microsoft.com/office/drawing/2014/main" id="{3930F80B-B4B5-1815-FC48-01DB799D7110}"/>
+                <a16:creationId xmlns:a16="http://schemas.microsoft.com/office/drawing/2014/main" id="{871EE3A2-9672-0B5D-DC0E-12E615EEEF8B}"/>
               </a:ext>
             </a:extLst>
           </p:cNvPr>
@@ -434,7 +434,7 @@
           <p:cNvPr id="4" name="日期占位符 3">
             <a:extLst>
               <a:ext uri="{FF2B5EF4-FFF2-40B4-BE49-F238E27FC236}">
-                <a16:creationId xmlns:a16="http://schemas.microsoft.com/office/drawing/2014/main" id="{7F1B5E56-70DE-9A82-135B-6D2E86535C22}"/>
+                <a16:creationId xmlns:a16="http://schemas.microsoft.com/office/drawing/2014/main" id="{5CC76FF7-27E3-D066-FBDD-87D7D675C830}"/>
               </a:ext>
             </a:extLst>
           </p:cNvPr>
@@ -450,7 +450,7 @@
           <a:bodyPr/>
           <a:lstStyle/>
           <a:p>
-            <a:fld id="{D64800E0-3729-4AB1-9023-4BA6AA7C13C6}" type="datetimeFigureOut">
+            <a:fld id="{3B4A7EB4-6A14-432A-9491-4FD1CAE0C726}" type="datetimeFigureOut">
               <a:rPr lang="zh-CN" altLang="en-US" smtClean="0"/>
               <a:t>2024/3/10</a:t>
             </a:fld>
@@ -463,7 +463,7 @@
           <p:cNvPr id="5" name="页脚占位符 4">
             <a:extLst>
               <a:ext uri="{FF2B5EF4-FFF2-40B4-BE49-F238E27FC236}">
-                <a16:creationId xmlns:a16="http://schemas.microsoft.com/office/drawing/2014/main" id="{7754285B-FA5E-D710-25BC-18D68358CB5E}"/>
+                <a16:creationId xmlns:a16="http://schemas.microsoft.com/office/drawing/2014/main" id="{8D4E95B0-B3A8-61F7-BD2E-27B7D6D316FE}"/>
               </a:ext>
             </a:extLst>
           </p:cNvPr>
@@ -488,7 +488,7 @@
           <p:cNvPr id="6" name="灯片编号占位符 5">
             <a:extLst>
               <a:ext uri="{FF2B5EF4-FFF2-40B4-BE49-F238E27FC236}">
-                <a16:creationId xmlns:a16="http://schemas.microsoft.com/office/drawing/2014/main" id="{FEED8936-0071-C383-60D9-574397CF39E2}"/>
+                <a16:creationId xmlns:a16="http://schemas.microsoft.com/office/drawing/2014/main" id="{B4C573F5-F210-7047-6BF3-BCCF2791340A}"/>
               </a:ext>
             </a:extLst>
           </p:cNvPr>
@@ -504,7 +504,7 @@
           <a:bodyPr/>
           <a:lstStyle/>
           <a:p>
-            <a:fld id="{C55A38C7-6421-4FA5-BE1C-5CB5DF0109FA}" type="slidenum">
+            <a:fld id="{CF763B80-E561-496A-8D28-3C30CCAF3AF1}" type="slidenum">
               <a:rPr lang="zh-CN" altLang="en-US" smtClean="0"/>
               <a:t>‹#›</a:t>
             </a:fld>
@@ -515,7 +515,7 @@
     </p:spTree>
     <p:extLst>
       <p:ext uri="{BB962C8B-B14F-4D97-AF65-F5344CB8AC3E}">
-        <p14:creationId xmlns:p14="http://schemas.microsoft.com/office/powerpoint/2010/main" val="1139240044"/>
+        <p14:creationId xmlns:p14="http://schemas.microsoft.com/office/powerpoint/2010/main" val="4046647912"/>
       </p:ext>
     </p:extLst>
   </p:cSld>
@@ -547,7 +547,7 @@
           <p:cNvPr id="2" name="竖排标题 1">
             <a:extLst>
               <a:ext uri="{FF2B5EF4-FFF2-40B4-BE49-F238E27FC236}">
-                <a16:creationId xmlns:a16="http://schemas.microsoft.com/office/drawing/2014/main" id="{0A77C89E-2A29-51A4-E36A-AF61ABC38A82}"/>
+                <a16:creationId xmlns:a16="http://schemas.microsoft.com/office/drawing/2014/main" id="{DC2BFB1B-3FCF-C796-FF9B-B29446E7F9D5}"/>
               </a:ext>
             </a:extLst>
           </p:cNvPr>
@@ -580,7 +580,7 @@
           <p:cNvPr id="3" name="竖排文字占位符 2">
             <a:extLst>
               <a:ext uri="{FF2B5EF4-FFF2-40B4-BE49-F238E27FC236}">
-                <a16:creationId xmlns:a16="http://schemas.microsoft.com/office/drawing/2014/main" id="{1BAD70D7-A8E4-2A91-89E6-A8E5D09FED7F}"/>
+                <a16:creationId xmlns:a16="http://schemas.microsoft.com/office/drawing/2014/main" id="{4FDE8807-1F3E-DEE0-73E2-BBD9459B8CDC}"/>
               </a:ext>
             </a:extLst>
           </p:cNvPr>
@@ -642,7 +642,7 @@
           <p:cNvPr id="4" name="日期占位符 3">
             <a:extLst>
               <a:ext uri="{FF2B5EF4-FFF2-40B4-BE49-F238E27FC236}">
-                <a16:creationId xmlns:a16="http://schemas.microsoft.com/office/drawing/2014/main" id="{9FEF8EDA-0F58-2F8C-FB80-9F46D56FD666}"/>
+                <a16:creationId xmlns:a16="http://schemas.microsoft.com/office/drawing/2014/main" id="{45D85F03-8E42-AC09-BF22-20591D1DAB98}"/>
               </a:ext>
             </a:extLst>
           </p:cNvPr>
@@ -658,7 +658,7 @@
           <a:bodyPr/>
           <a:lstStyle/>
           <a:p>
-            <a:fld id="{D64800E0-3729-4AB1-9023-4BA6AA7C13C6}" type="datetimeFigureOut">
+            <a:fld id="{3B4A7EB4-6A14-432A-9491-4FD1CAE0C726}" type="datetimeFigureOut">
               <a:rPr lang="zh-CN" altLang="en-US" smtClean="0"/>
               <a:t>2024/3/10</a:t>
             </a:fld>
@@ -671,7 +671,7 @@
           <p:cNvPr id="5" name="页脚占位符 4">
             <a:extLst>
               <a:ext uri="{FF2B5EF4-FFF2-40B4-BE49-F238E27FC236}">
-                <a16:creationId xmlns:a16="http://schemas.microsoft.com/office/drawing/2014/main" id="{72DA8731-09BF-E94B-E28A-5BD650D3373A}"/>
+                <a16:creationId xmlns:a16="http://schemas.microsoft.com/office/drawing/2014/main" id="{36B401D4-8F32-5A9E-3AA1-3A9E5E43E36D}"/>
               </a:ext>
             </a:extLst>
           </p:cNvPr>
@@ -696,7 +696,7 @@
           <p:cNvPr id="6" name="灯片编号占位符 5">
             <a:extLst>
               <a:ext uri="{FF2B5EF4-FFF2-40B4-BE49-F238E27FC236}">
-                <a16:creationId xmlns:a16="http://schemas.microsoft.com/office/drawing/2014/main" id="{11CB8041-6FEE-3E8E-3389-0AC9E6C22A92}"/>
+                <a16:creationId xmlns:a16="http://schemas.microsoft.com/office/drawing/2014/main" id="{1C5A52EC-F91E-4093-D44D-2632C827D584}"/>
               </a:ext>
             </a:extLst>
           </p:cNvPr>
@@ -712,7 +712,7 @@
           <a:bodyPr/>
           <a:lstStyle/>
           <a:p>
-            <a:fld id="{C55A38C7-6421-4FA5-BE1C-5CB5DF0109FA}" type="slidenum">
+            <a:fld id="{CF763B80-E561-496A-8D28-3C30CCAF3AF1}" type="slidenum">
               <a:rPr lang="zh-CN" altLang="en-US" smtClean="0"/>
               <a:t>‹#›</a:t>
             </a:fld>
@@ -723,7 +723,7 @@
     </p:spTree>
     <p:extLst>
       <p:ext uri="{BB962C8B-B14F-4D97-AF65-F5344CB8AC3E}">
-        <p14:creationId xmlns:p14="http://schemas.microsoft.com/office/powerpoint/2010/main" val="3438297669"/>
+        <p14:creationId xmlns:p14="http://schemas.microsoft.com/office/powerpoint/2010/main" val="2951477912"/>
       </p:ext>
     </p:extLst>
   </p:cSld>
@@ -755,7 +755,7 @@
           <p:cNvPr id="2" name="标题 1">
             <a:extLst>
               <a:ext uri="{FF2B5EF4-FFF2-40B4-BE49-F238E27FC236}">
-                <a16:creationId xmlns:a16="http://schemas.microsoft.com/office/drawing/2014/main" id="{87D3D5AE-42FD-3275-F986-AA46F829493F}"/>
+                <a16:creationId xmlns:a16="http://schemas.microsoft.com/office/drawing/2014/main" id="{572DB470-7190-B856-7F40-5747E09AE44C}"/>
               </a:ext>
             </a:extLst>
           </p:cNvPr>
@@ -783,7 +783,7 @@
           <p:cNvPr id="3" name="内容占位符 2">
             <a:extLst>
               <a:ext uri="{FF2B5EF4-FFF2-40B4-BE49-F238E27FC236}">
-                <a16:creationId xmlns:a16="http://schemas.microsoft.com/office/drawing/2014/main" id="{A5EB4AF8-967E-06F1-3739-3877D7673424}"/>
+                <a16:creationId xmlns:a16="http://schemas.microsoft.com/office/drawing/2014/main" id="{9174D978-0BB2-A41C-CFCF-95506A4524C0}"/>
               </a:ext>
             </a:extLst>
           </p:cNvPr>
@@ -840,7 +840,7 @@
           <p:cNvPr id="4" name="日期占位符 3">
             <a:extLst>
               <a:ext uri="{FF2B5EF4-FFF2-40B4-BE49-F238E27FC236}">
-                <a16:creationId xmlns:a16="http://schemas.microsoft.com/office/drawing/2014/main" id="{7DE74FF0-F07B-092F-1847-B64FC8765CE5}"/>
+                <a16:creationId xmlns:a16="http://schemas.microsoft.com/office/drawing/2014/main" id="{A4BAC16C-7ECE-0972-3017-21139EFA3EC8}"/>
               </a:ext>
             </a:extLst>
           </p:cNvPr>
@@ -856,7 +856,7 @@
           <a:bodyPr/>
           <a:lstStyle/>
           <a:p>
-            <a:fld id="{D64800E0-3729-4AB1-9023-4BA6AA7C13C6}" type="datetimeFigureOut">
+            <a:fld id="{3B4A7EB4-6A14-432A-9491-4FD1CAE0C726}" type="datetimeFigureOut">
               <a:rPr lang="zh-CN" altLang="en-US" smtClean="0"/>
               <a:t>2024/3/10</a:t>
             </a:fld>
@@ -869,7 +869,7 @@
           <p:cNvPr id="5" name="页脚占位符 4">
             <a:extLst>
               <a:ext uri="{FF2B5EF4-FFF2-40B4-BE49-F238E27FC236}">
-                <a16:creationId xmlns:a16="http://schemas.microsoft.com/office/drawing/2014/main" id="{6994AB62-19EA-8B3A-BFCC-4BD02486CAD6}"/>
+                <a16:creationId xmlns:a16="http://schemas.microsoft.com/office/drawing/2014/main" id="{49BEA801-89FB-6A00-5F5E-0DE0A07662DE}"/>
               </a:ext>
             </a:extLst>
           </p:cNvPr>
@@ -894,7 +894,7 @@
           <p:cNvPr id="6" name="灯片编号占位符 5">
             <a:extLst>
               <a:ext uri="{FF2B5EF4-FFF2-40B4-BE49-F238E27FC236}">
-                <a16:creationId xmlns:a16="http://schemas.microsoft.com/office/drawing/2014/main" id="{8FE3AC2B-FB85-9CB7-2EAC-4C00E860A81F}"/>
+                <a16:creationId xmlns:a16="http://schemas.microsoft.com/office/drawing/2014/main" id="{A6647224-4AB8-B485-1A77-2DB264A7749B}"/>
               </a:ext>
             </a:extLst>
           </p:cNvPr>
@@ -910,7 +910,7 @@
           <a:bodyPr/>
           <a:lstStyle/>
           <a:p>
-            <a:fld id="{C55A38C7-6421-4FA5-BE1C-5CB5DF0109FA}" type="slidenum">
+            <a:fld id="{CF763B80-E561-496A-8D28-3C30CCAF3AF1}" type="slidenum">
               <a:rPr lang="zh-CN" altLang="en-US" smtClean="0"/>
               <a:t>‹#›</a:t>
             </a:fld>
@@ -921,7 +921,7 @@
     </p:spTree>
     <p:extLst>
       <p:ext uri="{BB962C8B-B14F-4D97-AF65-F5344CB8AC3E}">
-        <p14:creationId xmlns:p14="http://schemas.microsoft.com/office/powerpoint/2010/main" val="3998281810"/>
+        <p14:creationId xmlns:p14="http://schemas.microsoft.com/office/powerpoint/2010/main" val="123149070"/>
       </p:ext>
     </p:extLst>
   </p:cSld>
@@ -953,7 +953,7 @@
           <p:cNvPr id="2" name="标题 1">
             <a:extLst>
               <a:ext uri="{FF2B5EF4-FFF2-40B4-BE49-F238E27FC236}">
-                <a16:creationId xmlns:a16="http://schemas.microsoft.com/office/drawing/2014/main" id="{07CB1ED1-253E-FCD4-3B1E-87932816DEA3}"/>
+                <a16:creationId xmlns:a16="http://schemas.microsoft.com/office/drawing/2014/main" id="{2CDC4D28-0535-2D42-3622-3568F1888288}"/>
               </a:ext>
             </a:extLst>
           </p:cNvPr>
@@ -990,7 +990,7 @@
           <p:cNvPr id="3" name="文本占位符 2">
             <a:extLst>
               <a:ext uri="{FF2B5EF4-FFF2-40B4-BE49-F238E27FC236}">
-                <a16:creationId xmlns:a16="http://schemas.microsoft.com/office/drawing/2014/main" id="{53238E77-185B-4B09-46CC-FA7F87F57183}"/>
+                <a16:creationId xmlns:a16="http://schemas.microsoft.com/office/drawing/2014/main" id="{5224742C-4345-68F8-4AB5-41A9DF2B28A7}"/>
               </a:ext>
             </a:extLst>
           </p:cNvPr>
@@ -1115,7 +1115,7 @@
           <p:cNvPr id="4" name="日期占位符 3">
             <a:extLst>
               <a:ext uri="{FF2B5EF4-FFF2-40B4-BE49-F238E27FC236}">
-                <a16:creationId xmlns:a16="http://schemas.microsoft.com/office/drawing/2014/main" id="{80CE6C1E-0F89-C964-FAEB-EBA10EE82D47}"/>
+                <a16:creationId xmlns:a16="http://schemas.microsoft.com/office/drawing/2014/main" id="{0F5C8251-B74A-4B1C-415D-61F3F05141EE}"/>
               </a:ext>
             </a:extLst>
           </p:cNvPr>
@@ -1131,7 +1131,7 @@
           <a:bodyPr/>
           <a:lstStyle/>
           <a:p>
-            <a:fld id="{D64800E0-3729-4AB1-9023-4BA6AA7C13C6}" type="datetimeFigureOut">
+            <a:fld id="{3B4A7EB4-6A14-432A-9491-4FD1CAE0C726}" type="datetimeFigureOut">
               <a:rPr lang="zh-CN" altLang="en-US" smtClean="0"/>
               <a:t>2024/3/10</a:t>
             </a:fld>
@@ -1144,7 +1144,7 @@
           <p:cNvPr id="5" name="页脚占位符 4">
             <a:extLst>
               <a:ext uri="{FF2B5EF4-FFF2-40B4-BE49-F238E27FC236}">
-                <a16:creationId xmlns:a16="http://schemas.microsoft.com/office/drawing/2014/main" id="{86611EA8-ED6B-2CCA-5140-D7C2F0377ED1}"/>
+                <a16:creationId xmlns:a16="http://schemas.microsoft.com/office/drawing/2014/main" id="{F1970245-12CB-1525-1378-9409557A38EA}"/>
               </a:ext>
             </a:extLst>
           </p:cNvPr>
@@ -1169,7 +1169,7 @@
           <p:cNvPr id="6" name="灯片编号占位符 5">
             <a:extLst>
               <a:ext uri="{FF2B5EF4-FFF2-40B4-BE49-F238E27FC236}">
-                <a16:creationId xmlns:a16="http://schemas.microsoft.com/office/drawing/2014/main" id="{088B86D4-0B49-E141-BFCA-AF078D841900}"/>
+                <a16:creationId xmlns:a16="http://schemas.microsoft.com/office/drawing/2014/main" id="{B11D2898-92BB-16FF-10FB-287AA1012E88}"/>
               </a:ext>
             </a:extLst>
           </p:cNvPr>
@@ -1185,7 +1185,7 @@
           <a:bodyPr/>
           <a:lstStyle/>
           <a:p>
-            <a:fld id="{C55A38C7-6421-4FA5-BE1C-5CB5DF0109FA}" type="slidenum">
+            <a:fld id="{CF763B80-E561-496A-8D28-3C30CCAF3AF1}" type="slidenum">
               <a:rPr lang="zh-CN" altLang="en-US" smtClean="0"/>
               <a:t>‹#›</a:t>
             </a:fld>
@@ -1196,7 +1196,7 @@
     </p:spTree>
     <p:extLst>
       <p:ext uri="{BB962C8B-B14F-4D97-AF65-F5344CB8AC3E}">
-        <p14:creationId xmlns:p14="http://schemas.microsoft.com/office/powerpoint/2010/main" val="633515829"/>
+        <p14:creationId xmlns:p14="http://schemas.microsoft.com/office/powerpoint/2010/main" val="4233008812"/>
       </p:ext>
     </p:extLst>
   </p:cSld>
@@ -1228,7 +1228,7 @@
           <p:cNvPr id="2" name="标题 1">
             <a:extLst>
               <a:ext uri="{FF2B5EF4-FFF2-40B4-BE49-F238E27FC236}">
-                <a16:creationId xmlns:a16="http://schemas.microsoft.com/office/drawing/2014/main" id="{9A61E91C-F1D2-BAC1-36F1-6ECA16D17DD2}"/>
+                <a16:creationId xmlns:a16="http://schemas.microsoft.com/office/drawing/2014/main" id="{BB0E648F-FB76-57E8-907A-04F5A74DBB45}"/>
               </a:ext>
             </a:extLst>
           </p:cNvPr>
@@ -1256,7 +1256,7 @@
           <p:cNvPr id="3" name="内容占位符 2">
             <a:extLst>
               <a:ext uri="{FF2B5EF4-FFF2-40B4-BE49-F238E27FC236}">
-                <a16:creationId xmlns:a16="http://schemas.microsoft.com/office/drawing/2014/main" id="{EAB60A27-29A0-1CF7-D3E2-44B75FA32FD1}"/>
+                <a16:creationId xmlns:a16="http://schemas.microsoft.com/office/drawing/2014/main" id="{E36E2234-FC6F-ECCC-91A0-7BC39C60C05D}"/>
               </a:ext>
             </a:extLst>
           </p:cNvPr>
@@ -1318,7 +1318,7 @@
           <p:cNvPr id="4" name="内容占位符 3">
             <a:extLst>
               <a:ext uri="{FF2B5EF4-FFF2-40B4-BE49-F238E27FC236}">
-                <a16:creationId xmlns:a16="http://schemas.microsoft.com/office/drawing/2014/main" id="{2EAB041B-EE93-1922-C082-12C8588B362B}"/>
+                <a16:creationId xmlns:a16="http://schemas.microsoft.com/office/drawing/2014/main" id="{93516AF7-9E8D-B632-E404-E2B94485F4CD}"/>
               </a:ext>
             </a:extLst>
           </p:cNvPr>
@@ -1380,7 +1380,7 @@
           <p:cNvPr id="5" name="日期占位符 4">
             <a:extLst>
               <a:ext uri="{FF2B5EF4-FFF2-40B4-BE49-F238E27FC236}">
-                <a16:creationId xmlns:a16="http://schemas.microsoft.com/office/drawing/2014/main" id="{1377E3D2-4664-396B-0584-291717291100}"/>
+                <a16:creationId xmlns:a16="http://schemas.microsoft.com/office/drawing/2014/main" id="{63A2444A-A619-2AB0-E1CE-BE56956FB3D3}"/>
               </a:ext>
             </a:extLst>
           </p:cNvPr>
@@ -1396,7 +1396,7 @@
           <a:bodyPr/>
           <a:lstStyle/>
           <a:p>
-            <a:fld id="{D64800E0-3729-4AB1-9023-4BA6AA7C13C6}" type="datetimeFigureOut">
+            <a:fld id="{3B4A7EB4-6A14-432A-9491-4FD1CAE0C726}" type="datetimeFigureOut">
               <a:rPr lang="zh-CN" altLang="en-US" smtClean="0"/>
               <a:t>2024/3/10</a:t>
             </a:fld>
@@ -1409,7 +1409,7 @@
           <p:cNvPr id="6" name="页脚占位符 5">
             <a:extLst>
               <a:ext uri="{FF2B5EF4-FFF2-40B4-BE49-F238E27FC236}">
-                <a16:creationId xmlns:a16="http://schemas.microsoft.com/office/drawing/2014/main" id="{76DD4C94-1EB7-B522-8A40-6F7C32ED46D1}"/>
+                <a16:creationId xmlns:a16="http://schemas.microsoft.com/office/drawing/2014/main" id="{7645E4E6-AE9B-A184-A35F-11270BB97BCB}"/>
               </a:ext>
             </a:extLst>
           </p:cNvPr>
@@ -1434,7 +1434,7 @@
           <p:cNvPr id="7" name="灯片编号占位符 6">
             <a:extLst>
               <a:ext uri="{FF2B5EF4-FFF2-40B4-BE49-F238E27FC236}">
-                <a16:creationId xmlns:a16="http://schemas.microsoft.com/office/drawing/2014/main" id="{1153A67B-89B2-2290-C4EC-F101F3BAFFD3}"/>
+                <a16:creationId xmlns:a16="http://schemas.microsoft.com/office/drawing/2014/main" id="{C44CBA25-E8FC-46FC-097F-96F6808BA8FE}"/>
               </a:ext>
             </a:extLst>
           </p:cNvPr>
@@ -1450,7 +1450,7 @@
           <a:bodyPr/>
           <a:lstStyle/>
           <a:p>
-            <a:fld id="{C55A38C7-6421-4FA5-BE1C-5CB5DF0109FA}" type="slidenum">
+            <a:fld id="{CF763B80-E561-496A-8D28-3C30CCAF3AF1}" type="slidenum">
               <a:rPr lang="zh-CN" altLang="en-US" smtClean="0"/>
               <a:t>‹#›</a:t>
             </a:fld>
@@ -1461,7 +1461,7 @@
     </p:spTree>
     <p:extLst>
       <p:ext uri="{BB962C8B-B14F-4D97-AF65-F5344CB8AC3E}">
-        <p14:creationId xmlns:p14="http://schemas.microsoft.com/office/powerpoint/2010/main" val="1132416711"/>
+        <p14:creationId xmlns:p14="http://schemas.microsoft.com/office/powerpoint/2010/main" val="966997416"/>
       </p:ext>
     </p:extLst>
   </p:cSld>
@@ -1493,7 +1493,7 @@
           <p:cNvPr id="2" name="标题 1">
             <a:extLst>
               <a:ext uri="{FF2B5EF4-FFF2-40B4-BE49-F238E27FC236}">
-                <a16:creationId xmlns:a16="http://schemas.microsoft.com/office/drawing/2014/main" id="{F35DA0D7-5626-7F3B-DAF2-C2109AE4287C}"/>
+                <a16:creationId xmlns:a16="http://schemas.microsoft.com/office/drawing/2014/main" id="{1D1B4597-4777-EE25-3A3D-6C3C5659DF8E}"/>
               </a:ext>
             </a:extLst>
           </p:cNvPr>
@@ -1526,7 +1526,7 @@
           <p:cNvPr id="3" name="文本占位符 2">
             <a:extLst>
               <a:ext uri="{FF2B5EF4-FFF2-40B4-BE49-F238E27FC236}">
-                <a16:creationId xmlns:a16="http://schemas.microsoft.com/office/drawing/2014/main" id="{6447F088-4AB8-205B-4555-FE5ACF79C6C1}"/>
+                <a16:creationId xmlns:a16="http://schemas.microsoft.com/office/drawing/2014/main" id="{C300F822-D58A-DD15-430D-C3093DA01824}"/>
               </a:ext>
             </a:extLst>
           </p:cNvPr>
@@ -1597,7 +1597,7 @@
           <p:cNvPr id="4" name="内容占位符 3">
             <a:extLst>
               <a:ext uri="{FF2B5EF4-FFF2-40B4-BE49-F238E27FC236}">
-                <a16:creationId xmlns:a16="http://schemas.microsoft.com/office/drawing/2014/main" id="{0263C5A8-F655-05FA-BE1E-B69C3CAA068E}"/>
+                <a16:creationId xmlns:a16="http://schemas.microsoft.com/office/drawing/2014/main" id="{F64375CE-B577-2791-CF46-C63DD3940D82}"/>
               </a:ext>
             </a:extLst>
           </p:cNvPr>
@@ -1659,7 +1659,7 @@
           <p:cNvPr id="5" name="文本占位符 4">
             <a:extLst>
               <a:ext uri="{FF2B5EF4-FFF2-40B4-BE49-F238E27FC236}">
-                <a16:creationId xmlns:a16="http://schemas.microsoft.com/office/drawing/2014/main" id="{0098C729-8902-2628-4AA7-8B442F630D48}"/>
+                <a16:creationId xmlns:a16="http://schemas.microsoft.com/office/drawing/2014/main" id="{ACE7E628-6CA3-D735-9B01-D62F23031DE9}"/>
               </a:ext>
             </a:extLst>
           </p:cNvPr>
@@ -1730,7 +1730,7 @@
           <p:cNvPr id="6" name="内容占位符 5">
             <a:extLst>
               <a:ext uri="{FF2B5EF4-FFF2-40B4-BE49-F238E27FC236}">
-                <a16:creationId xmlns:a16="http://schemas.microsoft.com/office/drawing/2014/main" id="{F82A4BA8-2A64-720F-D873-C138B9364E6E}"/>
+                <a16:creationId xmlns:a16="http://schemas.microsoft.com/office/drawing/2014/main" id="{52D76574-C9B2-498A-ABAF-8D59A7C08162}"/>
               </a:ext>
             </a:extLst>
           </p:cNvPr>
@@ -1792,7 +1792,7 @@
           <p:cNvPr id="7" name="日期占位符 6">
             <a:extLst>
               <a:ext uri="{FF2B5EF4-FFF2-40B4-BE49-F238E27FC236}">
-                <a16:creationId xmlns:a16="http://schemas.microsoft.com/office/drawing/2014/main" id="{A11389B3-B835-E908-182D-A2E30405CD6B}"/>
+                <a16:creationId xmlns:a16="http://schemas.microsoft.com/office/drawing/2014/main" id="{8ECF7CA3-843F-E8CC-2D7F-97AB43B27894}"/>
               </a:ext>
             </a:extLst>
           </p:cNvPr>
@@ -1808,7 +1808,7 @@
           <a:bodyPr/>
           <a:lstStyle/>
           <a:p>
-            <a:fld id="{D64800E0-3729-4AB1-9023-4BA6AA7C13C6}" type="datetimeFigureOut">
+            <a:fld id="{3B4A7EB4-6A14-432A-9491-4FD1CAE0C726}" type="datetimeFigureOut">
               <a:rPr lang="zh-CN" altLang="en-US" smtClean="0"/>
               <a:t>2024/3/10</a:t>
             </a:fld>
@@ -1821,7 +1821,7 @@
           <p:cNvPr id="8" name="页脚占位符 7">
             <a:extLst>
               <a:ext uri="{FF2B5EF4-FFF2-40B4-BE49-F238E27FC236}">
-                <a16:creationId xmlns:a16="http://schemas.microsoft.com/office/drawing/2014/main" id="{559A74E4-662A-780C-14E2-55D9A0B110E5}"/>
+                <a16:creationId xmlns:a16="http://schemas.microsoft.com/office/drawing/2014/main" id="{04F688D6-0D27-F9C7-8E18-BD22871C354A}"/>
               </a:ext>
             </a:extLst>
           </p:cNvPr>
@@ -1846,7 +1846,7 @@
           <p:cNvPr id="9" name="灯片编号占位符 8">
             <a:extLst>
               <a:ext uri="{FF2B5EF4-FFF2-40B4-BE49-F238E27FC236}">
-                <a16:creationId xmlns:a16="http://schemas.microsoft.com/office/drawing/2014/main" id="{0F6057E0-1D7B-E71B-C06C-8F7FB4D8C1F1}"/>
+                <a16:creationId xmlns:a16="http://schemas.microsoft.com/office/drawing/2014/main" id="{8D0ACC14-9984-D53C-F933-EE7A228E2D0B}"/>
               </a:ext>
             </a:extLst>
           </p:cNvPr>
@@ -1862,7 +1862,7 @@
           <a:bodyPr/>
           <a:lstStyle/>
           <a:p>
-            <a:fld id="{C55A38C7-6421-4FA5-BE1C-5CB5DF0109FA}" type="slidenum">
+            <a:fld id="{CF763B80-E561-496A-8D28-3C30CCAF3AF1}" type="slidenum">
               <a:rPr lang="zh-CN" altLang="en-US" smtClean="0"/>
               <a:t>‹#›</a:t>
             </a:fld>
@@ -1873,7 +1873,7 @@
     </p:spTree>
     <p:extLst>
       <p:ext uri="{BB962C8B-B14F-4D97-AF65-F5344CB8AC3E}">
-        <p14:creationId xmlns:p14="http://schemas.microsoft.com/office/powerpoint/2010/main" val="2913349371"/>
+        <p14:creationId xmlns:p14="http://schemas.microsoft.com/office/powerpoint/2010/main" val="3603673235"/>
       </p:ext>
     </p:extLst>
   </p:cSld>
@@ -1905,7 +1905,7 @@
           <p:cNvPr id="2" name="标题 1">
             <a:extLst>
               <a:ext uri="{FF2B5EF4-FFF2-40B4-BE49-F238E27FC236}">
-                <a16:creationId xmlns:a16="http://schemas.microsoft.com/office/drawing/2014/main" id="{BCA97991-F5AD-F699-ECFC-3634E6166363}"/>
+                <a16:creationId xmlns:a16="http://schemas.microsoft.com/office/drawing/2014/main" id="{BD379184-468F-4E5C-67FC-FCB197F49CD3}"/>
               </a:ext>
             </a:extLst>
           </p:cNvPr>
@@ -1933,7 +1933,7 @@
           <p:cNvPr id="3" name="日期占位符 2">
             <a:extLst>
               <a:ext uri="{FF2B5EF4-FFF2-40B4-BE49-F238E27FC236}">
-                <a16:creationId xmlns:a16="http://schemas.microsoft.com/office/drawing/2014/main" id="{E3CCD0D9-170F-C925-BFE6-45FBA8E0CD2A}"/>
+                <a16:creationId xmlns:a16="http://schemas.microsoft.com/office/drawing/2014/main" id="{2462B001-9F99-D19E-7081-D5B9B0A56E09}"/>
               </a:ext>
             </a:extLst>
           </p:cNvPr>
@@ -1949,7 +1949,7 @@
           <a:bodyPr/>
           <a:lstStyle/>
           <a:p>
-            <a:fld id="{D64800E0-3729-4AB1-9023-4BA6AA7C13C6}" type="datetimeFigureOut">
+            <a:fld id="{3B4A7EB4-6A14-432A-9491-4FD1CAE0C726}" type="datetimeFigureOut">
               <a:rPr lang="zh-CN" altLang="en-US" smtClean="0"/>
               <a:t>2024/3/10</a:t>
             </a:fld>
@@ -1962,7 +1962,7 @@
           <p:cNvPr id="4" name="页脚占位符 3">
             <a:extLst>
               <a:ext uri="{FF2B5EF4-FFF2-40B4-BE49-F238E27FC236}">
-                <a16:creationId xmlns:a16="http://schemas.microsoft.com/office/drawing/2014/main" id="{3EE4A59D-79B2-1436-6798-CCCB6E0D180C}"/>
+                <a16:creationId xmlns:a16="http://schemas.microsoft.com/office/drawing/2014/main" id="{6D29C8C1-6773-7EDB-8B20-422C32E8B173}"/>
               </a:ext>
             </a:extLst>
           </p:cNvPr>
@@ -1987,7 +1987,7 @@
           <p:cNvPr id="5" name="灯片编号占位符 4">
             <a:extLst>
               <a:ext uri="{FF2B5EF4-FFF2-40B4-BE49-F238E27FC236}">
-                <a16:creationId xmlns:a16="http://schemas.microsoft.com/office/drawing/2014/main" id="{D0459158-2B14-2ACF-A7A1-4A78C1B04841}"/>
+                <a16:creationId xmlns:a16="http://schemas.microsoft.com/office/drawing/2014/main" id="{CACD6AFF-167C-A415-584A-3031A641DA2D}"/>
               </a:ext>
             </a:extLst>
           </p:cNvPr>
@@ -2003,7 +2003,7 @@
           <a:bodyPr/>
           <a:lstStyle/>
           <a:p>
-            <a:fld id="{C55A38C7-6421-4FA5-BE1C-5CB5DF0109FA}" type="slidenum">
+            <a:fld id="{CF763B80-E561-496A-8D28-3C30CCAF3AF1}" type="slidenum">
               <a:rPr lang="zh-CN" altLang="en-US" smtClean="0"/>
               <a:t>‹#›</a:t>
             </a:fld>
@@ -2014,7 +2014,7 @@
     </p:spTree>
     <p:extLst>
       <p:ext uri="{BB962C8B-B14F-4D97-AF65-F5344CB8AC3E}">
-        <p14:creationId xmlns:p14="http://schemas.microsoft.com/office/powerpoint/2010/main" val="1233887626"/>
+        <p14:creationId xmlns:p14="http://schemas.microsoft.com/office/powerpoint/2010/main" val="93309445"/>
       </p:ext>
     </p:extLst>
   </p:cSld>
@@ -2046,7 +2046,7 @@
           <p:cNvPr id="2" name="日期占位符 1">
             <a:extLst>
               <a:ext uri="{FF2B5EF4-FFF2-40B4-BE49-F238E27FC236}">
-                <a16:creationId xmlns:a16="http://schemas.microsoft.com/office/drawing/2014/main" id="{96736EB4-CBC0-107B-660D-5592B2314079}"/>
+                <a16:creationId xmlns:a16="http://schemas.microsoft.com/office/drawing/2014/main" id="{8E45EA0F-77B0-5744-91EB-33305855A12D}"/>
               </a:ext>
             </a:extLst>
           </p:cNvPr>
@@ -2062,7 +2062,7 @@
           <a:bodyPr/>
           <a:lstStyle/>
           <a:p>
-            <a:fld id="{D64800E0-3729-4AB1-9023-4BA6AA7C13C6}" type="datetimeFigureOut">
+            <a:fld id="{3B4A7EB4-6A14-432A-9491-4FD1CAE0C726}" type="datetimeFigureOut">
               <a:rPr lang="zh-CN" altLang="en-US" smtClean="0"/>
               <a:t>2024/3/10</a:t>
             </a:fld>
@@ -2075,7 +2075,7 @@
           <p:cNvPr id="3" name="页脚占位符 2">
             <a:extLst>
               <a:ext uri="{FF2B5EF4-FFF2-40B4-BE49-F238E27FC236}">
-                <a16:creationId xmlns:a16="http://schemas.microsoft.com/office/drawing/2014/main" id="{F6A3C545-86F9-193D-629D-A5E882C3AE0A}"/>
+                <a16:creationId xmlns:a16="http://schemas.microsoft.com/office/drawing/2014/main" id="{4A02B46C-6175-DEDA-2942-106222653784}"/>
               </a:ext>
             </a:extLst>
           </p:cNvPr>
@@ -2100,7 +2100,7 @@
           <p:cNvPr id="4" name="灯片编号占位符 3">
             <a:extLst>
               <a:ext uri="{FF2B5EF4-FFF2-40B4-BE49-F238E27FC236}">
-                <a16:creationId xmlns:a16="http://schemas.microsoft.com/office/drawing/2014/main" id="{C2DE80AF-FE63-01F9-47C7-E6ADAFC8CC5C}"/>
+                <a16:creationId xmlns:a16="http://schemas.microsoft.com/office/drawing/2014/main" id="{110477A8-39AE-CE30-0DE6-C3B1CB06C60F}"/>
               </a:ext>
             </a:extLst>
           </p:cNvPr>
@@ -2116,7 +2116,7 @@
           <a:bodyPr/>
           <a:lstStyle/>
           <a:p>
-            <a:fld id="{C55A38C7-6421-4FA5-BE1C-5CB5DF0109FA}" type="slidenum">
+            <a:fld id="{CF763B80-E561-496A-8D28-3C30CCAF3AF1}" type="slidenum">
               <a:rPr lang="zh-CN" altLang="en-US" smtClean="0"/>
               <a:t>‹#›</a:t>
             </a:fld>
@@ -2127,7 +2127,7 @@
     </p:spTree>
     <p:extLst>
       <p:ext uri="{BB962C8B-B14F-4D97-AF65-F5344CB8AC3E}">
-        <p14:creationId xmlns:p14="http://schemas.microsoft.com/office/powerpoint/2010/main" val="1382787992"/>
+        <p14:creationId xmlns:p14="http://schemas.microsoft.com/office/powerpoint/2010/main" val="2763303215"/>
       </p:ext>
     </p:extLst>
   </p:cSld>
@@ -2159,7 +2159,7 @@
           <p:cNvPr id="2" name="标题 1">
             <a:extLst>
               <a:ext uri="{FF2B5EF4-FFF2-40B4-BE49-F238E27FC236}">
-                <a16:creationId xmlns:a16="http://schemas.microsoft.com/office/drawing/2014/main" id="{E2FE1FCE-DE70-ED12-5249-18FFB606027F}"/>
+                <a16:creationId xmlns:a16="http://schemas.microsoft.com/office/drawing/2014/main" id="{B180D193-DE28-3416-E652-4B320F6A309D}"/>
               </a:ext>
             </a:extLst>
           </p:cNvPr>
@@ -2196,7 +2196,7 @@
           <p:cNvPr id="3" name="内容占位符 2">
             <a:extLst>
               <a:ext uri="{FF2B5EF4-FFF2-40B4-BE49-F238E27FC236}">
-                <a16:creationId xmlns:a16="http://schemas.microsoft.com/office/drawing/2014/main" id="{C24EC33D-48EE-4181-640B-5B7F301471EA}"/>
+                <a16:creationId xmlns:a16="http://schemas.microsoft.com/office/drawing/2014/main" id="{79EBA347-8284-1364-21B8-2B4110248F5A}"/>
               </a:ext>
             </a:extLst>
           </p:cNvPr>
@@ -2286,7 +2286,7 @@
           <p:cNvPr id="4" name="文本占位符 3">
             <a:extLst>
               <a:ext uri="{FF2B5EF4-FFF2-40B4-BE49-F238E27FC236}">
-                <a16:creationId xmlns:a16="http://schemas.microsoft.com/office/drawing/2014/main" id="{6D46B1C6-CC8D-02A4-27ED-1E3AFAEC2151}"/>
+                <a16:creationId xmlns:a16="http://schemas.microsoft.com/office/drawing/2014/main" id="{09E478FF-1B95-5A03-9C56-379529FBCAEF}"/>
               </a:ext>
             </a:extLst>
           </p:cNvPr>
@@ -2357,7 +2357,7 @@
           <p:cNvPr id="5" name="日期占位符 4">
             <a:extLst>
               <a:ext uri="{FF2B5EF4-FFF2-40B4-BE49-F238E27FC236}">
-                <a16:creationId xmlns:a16="http://schemas.microsoft.com/office/drawing/2014/main" id="{2A71A707-C7D7-FEA1-5F37-88479FD85804}"/>
+                <a16:creationId xmlns:a16="http://schemas.microsoft.com/office/drawing/2014/main" id="{83FD06C2-925A-3B01-75B4-6937FB2B0A52}"/>
               </a:ext>
             </a:extLst>
           </p:cNvPr>
@@ -2373,7 +2373,7 @@
           <a:bodyPr/>
           <a:lstStyle/>
           <a:p>
-            <a:fld id="{D64800E0-3729-4AB1-9023-4BA6AA7C13C6}" type="datetimeFigureOut">
+            <a:fld id="{3B4A7EB4-6A14-432A-9491-4FD1CAE0C726}" type="datetimeFigureOut">
               <a:rPr lang="zh-CN" altLang="en-US" smtClean="0"/>
               <a:t>2024/3/10</a:t>
             </a:fld>
@@ -2386,7 +2386,7 @@
           <p:cNvPr id="6" name="页脚占位符 5">
             <a:extLst>
               <a:ext uri="{FF2B5EF4-FFF2-40B4-BE49-F238E27FC236}">
-                <a16:creationId xmlns:a16="http://schemas.microsoft.com/office/drawing/2014/main" id="{3D92E105-87C5-6A25-1FE0-25AE789137FC}"/>
+                <a16:creationId xmlns:a16="http://schemas.microsoft.com/office/drawing/2014/main" id="{8C18E965-AF35-2E39-593E-BACE3A747AD5}"/>
               </a:ext>
             </a:extLst>
           </p:cNvPr>
@@ -2411,7 +2411,7 @@
           <p:cNvPr id="7" name="灯片编号占位符 6">
             <a:extLst>
               <a:ext uri="{FF2B5EF4-FFF2-40B4-BE49-F238E27FC236}">
-                <a16:creationId xmlns:a16="http://schemas.microsoft.com/office/drawing/2014/main" id="{B252CAA3-4127-BFAB-7656-6983B918592E}"/>
+                <a16:creationId xmlns:a16="http://schemas.microsoft.com/office/drawing/2014/main" id="{AEF95165-1FFA-4AE1-308D-2138EC3CD8C1}"/>
               </a:ext>
             </a:extLst>
           </p:cNvPr>
@@ -2427,7 +2427,7 @@
           <a:bodyPr/>
           <a:lstStyle/>
           <a:p>
-            <a:fld id="{C55A38C7-6421-4FA5-BE1C-5CB5DF0109FA}" type="slidenum">
+            <a:fld id="{CF763B80-E561-496A-8D28-3C30CCAF3AF1}" type="slidenum">
               <a:rPr lang="zh-CN" altLang="en-US" smtClean="0"/>
               <a:t>‹#›</a:t>
             </a:fld>
@@ -2438,7 +2438,7 @@
     </p:spTree>
     <p:extLst>
       <p:ext uri="{BB962C8B-B14F-4D97-AF65-F5344CB8AC3E}">
-        <p14:creationId xmlns:p14="http://schemas.microsoft.com/office/powerpoint/2010/main" val="115863957"/>
+        <p14:creationId xmlns:p14="http://schemas.microsoft.com/office/powerpoint/2010/main" val="694657240"/>
       </p:ext>
     </p:extLst>
   </p:cSld>
@@ -2470,7 +2470,7 @@
           <p:cNvPr id="2" name="标题 1">
             <a:extLst>
               <a:ext uri="{FF2B5EF4-FFF2-40B4-BE49-F238E27FC236}">
-                <a16:creationId xmlns:a16="http://schemas.microsoft.com/office/drawing/2014/main" id="{6BABD78B-F536-0332-FD56-80E5EE4FEC89}"/>
+                <a16:creationId xmlns:a16="http://schemas.microsoft.com/office/drawing/2014/main" id="{40A195C4-B40E-D2AA-FB77-4436129A74FF}"/>
               </a:ext>
             </a:extLst>
           </p:cNvPr>
@@ -2507,7 +2507,7 @@
           <p:cNvPr id="3" name="图片占位符 2">
             <a:extLst>
               <a:ext uri="{FF2B5EF4-FFF2-40B4-BE49-F238E27FC236}">
-                <a16:creationId xmlns:a16="http://schemas.microsoft.com/office/drawing/2014/main" id="{88F87373-B001-1B91-23B5-C06F1877637F}"/>
+                <a16:creationId xmlns:a16="http://schemas.microsoft.com/office/drawing/2014/main" id="{8FB0EEF4-3063-C1E8-8A5A-2ECD3982F9D0}"/>
               </a:ext>
             </a:extLst>
           </p:cNvPr>
@@ -2574,7 +2574,7 @@
           <p:cNvPr id="4" name="文本占位符 3">
             <a:extLst>
               <a:ext uri="{FF2B5EF4-FFF2-40B4-BE49-F238E27FC236}">
-                <a16:creationId xmlns:a16="http://schemas.microsoft.com/office/drawing/2014/main" id="{3FD7A327-0170-CB24-6F1A-12D59ACABEDC}"/>
+                <a16:creationId xmlns:a16="http://schemas.microsoft.com/office/drawing/2014/main" id="{4DAD1817-50AF-A928-CF7E-133A685E966C}"/>
               </a:ext>
             </a:extLst>
           </p:cNvPr>
@@ -2645,7 +2645,7 @@
           <p:cNvPr id="5" name="日期占位符 4">
             <a:extLst>
               <a:ext uri="{FF2B5EF4-FFF2-40B4-BE49-F238E27FC236}">
-                <a16:creationId xmlns:a16="http://schemas.microsoft.com/office/drawing/2014/main" id="{8D06D84C-B5A8-6B58-88D7-B2C348C650FE}"/>
+                <a16:creationId xmlns:a16="http://schemas.microsoft.com/office/drawing/2014/main" id="{1B4C5CC0-C916-6D1B-18F6-B5113D42901F}"/>
               </a:ext>
             </a:extLst>
           </p:cNvPr>
@@ -2661,7 +2661,7 @@
           <a:bodyPr/>
           <a:lstStyle/>
           <a:p>
-            <a:fld id="{D64800E0-3729-4AB1-9023-4BA6AA7C13C6}" type="datetimeFigureOut">
+            <a:fld id="{3B4A7EB4-6A14-432A-9491-4FD1CAE0C726}" type="datetimeFigureOut">
               <a:rPr lang="zh-CN" altLang="en-US" smtClean="0"/>
               <a:t>2024/3/10</a:t>
             </a:fld>
@@ -2674,7 +2674,7 @@
           <p:cNvPr id="6" name="页脚占位符 5">
             <a:extLst>
               <a:ext uri="{FF2B5EF4-FFF2-40B4-BE49-F238E27FC236}">
-                <a16:creationId xmlns:a16="http://schemas.microsoft.com/office/drawing/2014/main" id="{185B9DD3-669D-C42F-D35B-2F0AEE1CF07B}"/>
+                <a16:creationId xmlns:a16="http://schemas.microsoft.com/office/drawing/2014/main" id="{04A9C11A-7A52-58D9-83F9-78CA9C749115}"/>
               </a:ext>
             </a:extLst>
           </p:cNvPr>
@@ -2699,7 +2699,7 @@
           <p:cNvPr id="7" name="灯片编号占位符 6">
             <a:extLst>
               <a:ext uri="{FF2B5EF4-FFF2-40B4-BE49-F238E27FC236}">
-                <a16:creationId xmlns:a16="http://schemas.microsoft.com/office/drawing/2014/main" id="{BB9A42EC-20D3-CD1C-DED4-E10ABC2FD7DB}"/>
+                <a16:creationId xmlns:a16="http://schemas.microsoft.com/office/drawing/2014/main" id="{0D44209A-18A1-B7A0-B442-DA523CCE1034}"/>
               </a:ext>
             </a:extLst>
           </p:cNvPr>
@@ -2715,7 +2715,7 @@
           <a:bodyPr/>
           <a:lstStyle/>
           <a:p>
-            <a:fld id="{C55A38C7-6421-4FA5-BE1C-5CB5DF0109FA}" type="slidenum">
+            <a:fld id="{CF763B80-E561-496A-8D28-3C30CCAF3AF1}" type="slidenum">
               <a:rPr lang="zh-CN" altLang="en-US" smtClean="0"/>
               <a:t>‹#›</a:t>
             </a:fld>
@@ -2726,7 +2726,7 @@
     </p:spTree>
     <p:extLst>
       <p:ext uri="{BB962C8B-B14F-4D97-AF65-F5344CB8AC3E}">
-        <p14:creationId xmlns:p14="http://schemas.microsoft.com/office/powerpoint/2010/main" val="3972208134"/>
+        <p14:creationId xmlns:p14="http://schemas.microsoft.com/office/powerpoint/2010/main" val="3098703518"/>
       </p:ext>
     </p:extLst>
   </p:cSld>
@@ -2763,7 +2763,7 @@
           <p:cNvPr id="2" name="标题占位符 1">
             <a:extLst>
               <a:ext uri="{FF2B5EF4-FFF2-40B4-BE49-F238E27FC236}">
-                <a16:creationId xmlns:a16="http://schemas.microsoft.com/office/drawing/2014/main" id="{A3338346-EF3B-55EC-1E92-885AFA7AC743}"/>
+                <a16:creationId xmlns:a16="http://schemas.microsoft.com/office/drawing/2014/main" id="{0A3FEA12-CE49-C5F9-62EC-7775AA1C8857}"/>
               </a:ext>
             </a:extLst>
           </p:cNvPr>
@@ -2801,7 +2801,7 @@
           <p:cNvPr id="3" name="文本占位符 2">
             <a:extLst>
               <a:ext uri="{FF2B5EF4-FFF2-40B4-BE49-F238E27FC236}">
-                <a16:creationId xmlns:a16="http://schemas.microsoft.com/office/drawing/2014/main" id="{658FC26A-67B8-C810-2E74-56A17BC7221B}"/>
+                <a16:creationId xmlns:a16="http://schemas.microsoft.com/office/drawing/2014/main" id="{95FAD7E4-AB34-7E9C-EE4F-A34D5ECD9514}"/>
               </a:ext>
             </a:extLst>
           </p:cNvPr>
@@ -2868,7 +2868,7 @@
           <p:cNvPr id="4" name="日期占位符 3">
             <a:extLst>
               <a:ext uri="{FF2B5EF4-FFF2-40B4-BE49-F238E27FC236}">
-                <a16:creationId xmlns:a16="http://schemas.microsoft.com/office/drawing/2014/main" id="{3109BBAE-B754-3FD0-6C85-EEC2A95F6CC6}"/>
+                <a16:creationId xmlns:a16="http://schemas.microsoft.com/office/drawing/2014/main" id="{0475C2AD-6689-3CD0-4A99-5295E9392A15}"/>
               </a:ext>
             </a:extLst>
           </p:cNvPr>
@@ -2902,7 +2902,7 @@
             </a:lvl1pPr>
           </a:lstStyle>
           <a:p>
-            <a:fld id="{D64800E0-3729-4AB1-9023-4BA6AA7C13C6}" type="datetimeFigureOut">
+            <a:fld id="{3B4A7EB4-6A14-432A-9491-4FD1CAE0C726}" type="datetimeFigureOut">
               <a:rPr lang="zh-CN" altLang="en-US" smtClean="0"/>
               <a:t>2024/3/10</a:t>
             </a:fld>
@@ -2915,7 +2915,7 @@
           <p:cNvPr id="5" name="页脚占位符 4">
             <a:extLst>
               <a:ext uri="{FF2B5EF4-FFF2-40B4-BE49-F238E27FC236}">
-                <a16:creationId xmlns:a16="http://schemas.microsoft.com/office/drawing/2014/main" id="{7337AE9E-FDC2-3101-5685-E6FE1B829BCF}"/>
+                <a16:creationId xmlns:a16="http://schemas.microsoft.com/office/drawing/2014/main" id="{1D272E4B-6E05-BFF9-B464-5BA082F664B2}"/>
               </a:ext>
             </a:extLst>
           </p:cNvPr>
@@ -2958,7 +2958,7 @@
           <p:cNvPr id="6" name="灯片编号占位符 5">
             <a:extLst>
               <a:ext uri="{FF2B5EF4-FFF2-40B4-BE49-F238E27FC236}">
-                <a16:creationId xmlns:a16="http://schemas.microsoft.com/office/drawing/2014/main" id="{B9DF96A4-DFF4-F092-336A-444A50991A13}"/>
+                <a16:creationId xmlns:a16="http://schemas.microsoft.com/office/drawing/2014/main" id="{8C5855DA-88A7-066B-2E6B-8B98FA00BEE3}"/>
               </a:ext>
             </a:extLst>
           </p:cNvPr>
@@ -2992,7 +2992,7 @@
             </a:lvl1pPr>
           </a:lstStyle>
           <a:p>
-            <a:fld id="{C55A38C7-6421-4FA5-BE1C-5CB5DF0109FA}" type="slidenum">
+            <a:fld id="{CF763B80-E561-496A-8D28-3C30CCAF3AF1}" type="slidenum">
               <a:rPr lang="zh-CN" altLang="en-US" smtClean="0"/>
               <a:t>‹#›</a:t>
             </a:fld>
@@ -3003,7 +3003,7 @@
     </p:spTree>
     <p:extLst>
       <p:ext uri="{BB962C8B-B14F-4D97-AF65-F5344CB8AC3E}">
-        <p14:creationId xmlns:p14="http://schemas.microsoft.com/office/powerpoint/2010/main" val="3103406699"/>
+        <p14:creationId xmlns:p14="http://schemas.microsoft.com/office/powerpoint/2010/main" val="864594223"/>
       </p:ext>
     </p:extLst>
   </p:cSld>
